--- a/ClinicalTrials.pptx
+++ b/ClinicalTrials.pptx
@@ -119,10 +119,6 @@
 </p:presentation>
 </file>
 
-<file path=ppt/revisionInfo.xml><?xml version="1.0" encoding="utf-8"?>
-<p1510:revInfo xmlns:a="http://schemas.openxmlformats.org/drawingml/2006/main" xmlns:r="http://schemas.openxmlformats.org/officeDocument/2006/relationships" xmlns:p1510="http://schemas.microsoft.com/office/powerpoint/2015/10/main"/>
-</file>
-
 <file path=ppt/slideLayouts/slideLayout1.xml><?xml version="1.0" encoding="utf-8"?>
 <p:sldLayout xmlns:a="http://schemas.openxmlformats.org/drawingml/2006/main" xmlns:r="http://schemas.openxmlformats.org/officeDocument/2006/relationships" xmlns:p="http://schemas.openxmlformats.org/presentationml/2006/main" type="title" preserve="1">
   <p:cSld name="Title Slide">
@@ -319,7 +315,7 @@
           <a:p>
             <a:fld id="{ECD19FB2-3AAB-4D03-B13A-2960828C78E3}" type="datetimeFigureOut">
               <a:rPr lang="en-US" dirty="0"/>
-              <a:t>5/1/2018</a:t>
+              <a:t>5/1/18</a:t>
             </a:fld>
             <a:endParaRPr lang="en-US" dirty="0"/>
           </a:p>
@@ -596,7 +592,7 @@
           <a:p>
             <a:fld id="{1B80C674-7DFC-42FE-B9CD-82963CDB1557}" type="datetimeFigureOut">
               <a:rPr lang="en-US" dirty="0"/>
-              <a:t>5/1/2018</a:t>
+              <a:t>5/1/18</a:t>
             </a:fld>
             <a:endParaRPr lang="en-US" dirty="0"/>
           </a:p>
@@ -783,7 +779,7 @@
           <a:p>
             <a:fld id="{2076456F-F47D-4F25-8053-2A695DA0CA7D}" type="datetimeFigureOut">
               <a:rPr lang="en-US" dirty="0"/>
-              <a:t>5/1/2018</a:t>
+              <a:t>5/1/18</a:t>
             </a:fld>
             <a:endParaRPr lang="en-US" dirty="0"/>
           </a:p>
@@ -1039,7 +1035,7 @@
           <a:p>
             <a:fld id="{5D6C7379-69CC-4837-9905-BEBA22830C8A}" type="datetimeFigureOut">
               <a:rPr lang="en-US" dirty="0"/>
-              <a:t>5/1/2018</a:t>
+              <a:t>5/1/18</a:t>
             </a:fld>
             <a:endParaRPr lang="en-US" dirty="0"/>
           </a:p>
@@ -1460,7 +1456,7 @@
           <a:p>
             <a:fld id="{49EB8B7E-8AEE-4F10-BFEE-C999AD004D36}" type="datetimeFigureOut">
               <a:rPr lang="en-US" dirty="0"/>
-              <a:t>5/1/2018</a:t>
+              <a:t>5/1/18</a:t>
             </a:fld>
             <a:endParaRPr lang="en-US" dirty="0"/>
           </a:p>
@@ -2001,7 +1997,7 @@
           <a:p>
             <a:fld id="{8668F3F9-58BC-440B-B37B-805B9055EF92}" type="datetimeFigureOut">
               <a:rPr lang="en-US" dirty="0"/>
-              <a:t>5/1/2018</a:t>
+              <a:t>5/1/18</a:t>
             </a:fld>
             <a:endParaRPr lang="en-US" dirty="0"/>
           </a:p>
@@ -2827,7 +2823,7 @@
           <a:p>
             <a:fld id="{0D5A53AF-48EA-489D-8260-9DCAB666386A}" type="datetimeFigureOut">
               <a:rPr lang="en-US" dirty="0"/>
-              <a:t>5/1/2018</a:t>
+              <a:t>5/1/18</a:t>
             </a:fld>
             <a:endParaRPr lang="en-US" dirty="0"/>
           </a:p>
@@ -2992,7 +2988,7 @@
           <a:p>
             <a:fld id="{0DED02AE-B9A4-47BD-AF8E-97E16144138B}" type="datetimeFigureOut">
               <a:rPr lang="en-US" dirty="0"/>
-              <a:t>5/1/2018</a:t>
+              <a:t>5/1/18</a:t>
             </a:fld>
             <a:endParaRPr lang="en-US" dirty="0"/>
           </a:p>
@@ -3167,7 +3163,7 @@
           <a:p>
             <a:fld id="{CF0FD78B-DB02-4362-BCDC-98A55456977C}" type="datetimeFigureOut">
               <a:rPr lang="en-US" dirty="0"/>
-              <a:t>5/1/2018</a:t>
+              <a:t>5/1/18</a:t>
             </a:fld>
             <a:endParaRPr lang="en-US" dirty="0"/>
           </a:p>
@@ -3332,7 +3328,7 @@
           <a:p>
             <a:fld id="{99916976-5D93-46E4-A98A-FAD63E4D0EA8}" type="datetimeFigureOut">
               <a:rPr lang="en-US" dirty="0"/>
-              <a:t>5/1/2018</a:t>
+              <a:t>5/1/18</a:t>
             </a:fld>
             <a:endParaRPr lang="en-US" dirty="0"/>
           </a:p>
@@ -3584,7 +3580,7 @@
           <a:p>
             <a:fld id="{0F39F4F5-F4D2-4D2A-AB60-88D37ADCB869}" type="datetimeFigureOut">
               <a:rPr lang="en-US" dirty="0"/>
-              <a:t>5/1/2018</a:t>
+              <a:t>5/1/18</a:t>
             </a:fld>
             <a:endParaRPr lang="en-US" dirty="0"/>
           </a:p>
@@ -3811,7 +3807,7 @@
           <a:p>
             <a:fld id="{D23BC6CE-6D1E-47E5-8859-F31AC5380EB2}" type="datetimeFigureOut">
               <a:rPr lang="en-US" dirty="0"/>
-              <a:t>5/1/2018</a:t>
+              <a:t>5/1/18</a:t>
             </a:fld>
             <a:endParaRPr lang="en-US" dirty="0"/>
           </a:p>
@@ -4199,7 +4195,7 @@
           <a:p>
             <a:fld id="{B1B4E7C4-4DA4-404D-9965-B13F2DD7D8BF}" type="datetimeFigureOut">
               <a:rPr lang="en-US" dirty="0"/>
-              <a:t>5/1/2018</a:t>
+              <a:t>5/1/18</a:t>
             </a:fld>
             <a:endParaRPr lang="en-US" dirty="0"/>
           </a:p>
@@ -4312,7 +4308,7 @@
           <a:p>
             <a:fld id="{476FB7AA-4A53-424F-AD41-70827B6504BA}" type="datetimeFigureOut">
               <a:rPr lang="en-US" dirty="0"/>
-              <a:t>5/1/2018</a:t>
+              <a:t>5/1/18</a:t>
             </a:fld>
             <a:endParaRPr lang="en-US" dirty="0"/>
           </a:p>
@@ -4402,7 +4398,7 @@
           <a:p>
             <a:fld id="{E7884882-FB12-4BC8-9960-9AD8104D7FAE}" type="datetimeFigureOut">
               <a:rPr lang="en-US" dirty="0"/>
-              <a:t>5/1/2018</a:t>
+              <a:t>5/1/18</a:t>
             </a:fld>
             <a:endParaRPr lang="en-US" dirty="0"/>
           </a:p>
@@ -4670,7 +4666,7 @@
           <a:p>
             <a:fld id="{F7D1BD23-6E54-4D9D-AD88-A2813C73CC25}" type="datetimeFigureOut">
               <a:rPr lang="en-US" dirty="0"/>
-              <a:t>5/1/2018</a:t>
+              <a:t>5/1/18</a:t>
             </a:fld>
             <a:endParaRPr lang="en-US" dirty="0"/>
           </a:p>
@@ -4946,7 +4942,7 @@
           <a:p>
             <a:fld id="{1471A834-4F3C-4AF9-9C74-05EC35A0F292}" type="datetimeFigureOut">
               <a:rPr lang="en-US" dirty="0"/>
-              <a:t>5/1/2018</a:t>
+              <a:t>5/1/18</a:t>
             </a:fld>
             <a:endParaRPr lang="en-US" dirty="0"/>
           </a:p>
@@ -5181,7 +5177,7 @@
           <a:p>
             <a:fld id="{51CF1133-3259-4C45-BABA-5B62D9C6F78D}" type="datetimeFigureOut">
               <a:rPr lang="en-US" dirty="0"/>
-              <a:t>5/1/2018</a:t>
+              <a:t>5/1/18</a:t>
             </a:fld>
             <a:endParaRPr lang="en-US" dirty="0"/>
           </a:p>
@@ -5917,37 +5913,102 @@
           <a:p>
             <a:pPr lvl="1"/>
             <a:r>
-              <a:t>ClinicalTrials.org as a part of NIH ask PI to inform if they intent to share Participant Individual Data(PID)</a:t>
+              <a:rPr dirty="0" err="1"/>
+              <a:t>ClinicalTrials.</a:t>
+            </a:r>
+            <a:r>
+              <a:rPr lang="en-US" dirty="0" err="1"/>
+              <a:t>gov</a:t>
+            </a:r>
+            <a:r>
+              <a:rPr dirty="0"/>
+              <a:t> as a part of NIH ask PI to inform if they inten</a:t>
+            </a:r>
+            <a:r>
+              <a:rPr lang="en-US" dirty="0"/>
+              <a:t>d</a:t>
+            </a:r>
+            <a:r>
+              <a:rPr dirty="0"/>
+              <a:t> to share  Individual </a:t>
+            </a:r>
+            <a:r>
+              <a:rPr lang="en-US" dirty="0"/>
+              <a:t>Participant </a:t>
+            </a:r>
+            <a:r>
+              <a:rPr dirty="0"/>
+              <a:t>Data(</a:t>
+            </a:r>
+            <a:r>
+              <a:rPr lang="en-US" dirty="0"/>
+              <a:t>IPD</a:t>
+            </a:r>
+            <a:r>
+              <a:rPr dirty="0"/>
+              <a:t>)</a:t>
             </a:r>
           </a:p>
           <a:p>
             <a:pPr lvl="1"/>
             <a:r>
-              <a:t>ClinicalTrials.org has information how PID information will be shared</a:t>
+              <a:rPr dirty="0" err="1"/>
+              <a:t>ClinicalTrials.</a:t>
+            </a:r>
+            <a:r>
+              <a:rPr lang="en-US" dirty="0" err="1"/>
+              <a:t>gov</a:t>
+            </a:r>
+            <a:r>
+              <a:rPr dirty="0"/>
+              <a:t> has information how </a:t>
+            </a:r>
+            <a:r>
+              <a:rPr lang="en-US" dirty="0"/>
+              <a:t>IPD</a:t>
+            </a:r>
+            <a:r>
+              <a:rPr dirty="0"/>
+              <a:t> information will be shared</a:t>
             </a:r>
           </a:p>
           <a:p>
             <a:pPr lvl="1"/>
             <a:r>
-              <a:t>Data has been analyzed on records registered between January 2016 and August 2017</a:t>
-            </a:r>
+              <a:rPr dirty="0"/>
+              <a:t>Data has been analyzed on records registered</a:t>
+            </a:r>
+            <a:r>
+              <a:rPr lang="en-US" dirty="0"/>
+              <a:t> where the plan to share column isn’t empty</a:t>
+            </a:r>
+            <a:endParaRPr dirty="0"/>
           </a:p>
           <a:p>
             <a:pPr lvl="1"/>
             <a:r>
-              <a:t>New and more information has been added since</a:t>
-            </a:r>
+              <a:rPr dirty="0"/>
+              <a:t>Purpose of this project is to examine </a:t>
+            </a:r>
+            <a:r>
+              <a:rPr lang="en-US" dirty="0"/>
+              <a:t>PI’s intent and whether intent has changed since the International Committee of Medical Journal Editors (ICMJE) published their policy of requiring a data sharing statement for clinical trial registration</a:t>
+            </a:r>
+            <a:endParaRPr dirty="0"/>
           </a:p>
           <a:p>
             <a:pPr lvl="1"/>
             <a:r>
-              <a:t>Purpose of this project is to examine the changes if any</a:t>
-            </a:r>
-          </a:p>
-          <a:p>
-            <a:pPr lvl="1"/>
-            <a:r>
-              <a:t>Source of our data is ClinicalTrials.gov (AACT) database containing all the ClinicalTrials.gov records</a:t>
+              <a:rPr dirty="0"/>
+              <a:t>Source of our data is AACT database containing all the </a:t>
+            </a:r>
+            <a:r>
+              <a:rPr dirty="0" err="1"/>
+              <a:t>ClinicalTrials.gov</a:t>
+            </a:r>
+            <a:r>
+              <a:rPr dirty="0"/>
+              <a:t> records</a:t>
             </a:r>
           </a:p>
         </p:txBody>
@@ -6018,19 +6079,29 @@
           <a:p>
             <a:pPr lvl="1"/>
             <a:r>
+              <a:rPr dirty="0"/>
               <a:t>Import libraries </a:t>
             </a:r>
             <a:r>
-              <a:rPr sz="1800">
+              <a:rPr sz="1800" dirty="0" err="1">
                 <a:latin typeface="Courier"/>
               </a:rPr>
               <a:t>sqlalchemy</a:t>
             </a:r>
             <a:r>
-              <a:t> and </a:t>
-            </a:r>
-            <a:r>
-              <a:rPr sz="1800">
+              <a:rPr dirty="0"/>
+              <a:t> </a:t>
+            </a:r>
+            <a:r>
+              <a:rPr lang="en-US" dirty="0"/>
+              <a:t>, psycopg2, </a:t>
+            </a:r>
+            <a:r>
+              <a:rPr dirty="0"/>
+              <a:t>and </a:t>
+            </a:r>
+            <a:r>
+              <a:rPr sz="1800" dirty="0">
                 <a:latin typeface="Courier"/>
               </a:rPr>
               <a:t>panda</a:t>
@@ -6039,6 +6110,7 @@
           <a:p>
             <a:pPr lvl="1"/>
             <a:r>
+              <a:rPr dirty="0"/>
               <a:t>Create an engine to the database</a:t>
             </a:r>
           </a:p>
@@ -6047,13 +6119,39 @@
               <a:buNone/>
             </a:pPr>
             <a:r>
-              <a:t>engine = create_engine()</a:t>
+              <a:rPr dirty="0"/>
+              <a:t>engine = </a:t>
+            </a:r>
+            <a:r>
+              <a:rPr dirty="0" err="1"/>
+              <a:t>create_engine</a:t>
+            </a:r>
+            <a:r>
+              <a:rPr dirty="0"/>
+              <a:t>()</a:t>
             </a:r>
           </a:p>
           <a:p>
             <a:pPr lvl="1"/>
             <a:r>
-              <a:t>Query Engine and save the information as dataframe (df)</a:t>
+              <a:rPr dirty="0"/>
+              <a:t>Query Engine and save the information as </a:t>
+            </a:r>
+            <a:r>
+              <a:rPr dirty="0" err="1"/>
+              <a:t>dataframe</a:t>
+            </a:r>
+            <a:r>
+              <a:rPr dirty="0"/>
+              <a:t> (</a:t>
+            </a:r>
+            <a:r>
+              <a:rPr dirty="0" err="1"/>
+              <a:t>df</a:t>
+            </a:r>
+            <a:r>
+              <a:rPr dirty="0"/>
+              <a:t>)</a:t>
             </a:r>
           </a:p>
           <a:p>
@@ -6061,15 +6159,46 @@
               <a:buNone/>
             </a:pPr>
             <a:r>
-              <a:rPr sz="1800">
-                <a:latin typeface="Courier"/>
-              </a:rPr>
-              <a:t>df = pd.read_sql_query("SELECT * FROM studies WHERE plan_to_share_ipd != 'Null'", engine)</a:t>
+              <a:rPr sz="1800" dirty="0" err="1">
+                <a:latin typeface="Courier"/>
+              </a:rPr>
+              <a:t>df</a:t>
+            </a:r>
+            <a:r>
+              <a:rPr sz="1800" dirty="0">
+                <a:latin typeface="Courier"/>
+              </a:rPr>
+              <a:t> = </a:t>
+            </a:r>
+            <a:r>
+              <a:rPr sz="1800" dirty="0" err="1">
+                <a:latin typeface="Courier"/>
+              </a:rPr>
+              <a:t>pd.read_sql_query</a:t>
+            </a:r>
+            <a:r>
+              <a:rPr sz="1800" dirty="0">
+                <a:latin typeface="Courier"/>
+              </a:rPr>
+              <a:t>("SELECT * FROM studies WHERE </a:t>
+            </a:r>
+            <a:r>
+              <a:rPr sz="1800" dirty="0" err="1">
+                <a:latin typeface="Courier"/>
+              </a:rPr>
+              <a:t>plan_to_share_ipd</a:t>
+            </a:r>
+            <a:r>
+              <a:rPr sz="1800" dirty="0">
+                <a:latin typeface="Courier"/>
+              </a:rPr>
+              <a:t> != 'Null'", engine)</a:t>
             </a:r>
           </a:p>
           <a:p>
             <a:pPr lvl="1"/>
             <a:r>
+              <a:rPr dirty="0"/>
               <a:t>Save information as csv file</a:t>
             </a:r>
           </a:p>
@@ -6078,10 +6207,28 @@
               <a:buNone/>
             </a:pPr>
             <a:r>
-              <a:rPr sz="1800">
-                <a:latin typeface="Courier"/>
-              </a:rPr>
-              <a:t>df.to_csv('intent.csv',sep=',')</a:t>
+              <a:rPr sz="1800" dirty="0" err="1">
+                <a:latin typeface="Courier"/>
+              </a:rPr>
+              <a:t>df.to_csv</a:t>
+            </a:r>
+            <a:r>
+              <a:rPr sz="1800" dirty="0">
+                <a:latin typeface="Courier"/>
+              </a:rPr>
+              <a:t>('intent.csv',</a:t>
+            </a:r>
+            <a:r>
+              <a:rPr sz="1800" dirty="0" err="1">
+                <a:latin typeface="Courier"/>
+              </a:rPr>
+              <a:t>sep</a:t>
+            </a:r>
+            <a:r>
+              <a:rPr sz="1800" dirty="0">
+                <a:latin typeface="Courier"/>
+              </a:rPr>
+              <a:t>=',')</a:t>
             </a:r>
           </a:p>
         </p:txBody>

--- a/ClinicalTrials.pptx
+++ b/ClinicalTrials.pptx
@@ -6000,7 +6000,40 @@
             <a:pPr lvl="1"/>
             <a:r>
               <a:rPr dirty="0"/>
-              <a:t>Source of our data is AACT database containing all the </a:t>
+              <a:t>Source of our data is </a:t>
+            </a:r>
+            <a:r>
+              <a:rPr lang="en-US" dirty="0"/>
+              <a:t> the Aggregate Analysis of </a:t>
+            </a:r>
+            <a:r>
+              <a:rPr lang="en-US" dirty="0" err="1"/>
+              <a:t>ClinicalTrials.gov</a:t>
+            </a:r>
+            <a:r>
+              <a:rPr lang="en-US"/>
+              <a:t> (</a:t>
+            </a:r>
+            <a:r>
+              <a:t>AACT</a:t>
+            </a:r>
+            <a:r>
+              <a:rPr lang="en-US"/>
+              <a:t>)</a:t>
+            </a:r>
+            <a:r>
+              <a:t> </a:t>
+            </a:r>
+            <a:r>
+              <a:rPr lang="en-US"/>
+              <a:t> </a:t>
+            </a:r>
+            <a:r>
+              <a:t>database </a:t>
+            </a:r>
+            <a:r>
+              <a:rPr dirty="0"/>
+              <a:t>containing all the </a:t>
             </a:r>
             <a:r>
               <a:rPr dirty="0" err="1"/>
